--- a/model_diagram_plots.pptx
+++ b/model_diagram_plots.pptx
@@ -5065,6 +5065,177 @@
                 <a:blip r:embed="rId8"/>
                 <a:stretch>
                   <a:fillRect l="-22222" r="-22222" b="-20588"/>
+                </a:stretch>
+              </a:blipFill>
+            </p:spPr>
+            <p:txBody>
+              <a:bodyPr/>
+              <a:lstStyle/>
+              <a:p>
+                <a:r>
+                  <a:rPr lang="en-US">
+                    <a:noFill/>
+                  </a:rPr>
+                  <a:t> </a:t>
+                </a:r>
+              </a:p>
+            </p:txBody>
+          </p:sp>
+        </mc:Fallback>
+      </mc:AlternateContent>
+      <p:sp>
+        <p:nvSpPr>
+          <p:cNvPr id="11" name="Rounded Rectangle 10">
+            <a:extLst>
+              <a:ext uri="{FF2B5EF4-FFF2-40B4-BE49-F238E27FC236}">
+                <a16:creationId xmlns:a16="http://schemas.microsoft.com/office/drawing/2014/main" id="{140DA10A-F7DB-2244-B736-30FC7B0CF1A5}"/>
+              </a:ext>
+            </a:extLst>
+          </p:cNvPr>
+          <p:cNvSpPr/>
+          <p:nvPr/>
+        </p:nvSpPr>
+        <p:spPr>
+          <a:xfrm>
+            <a:off x="3929744" y="2198914"/>
+            <a:ext cx="3955686" cy="1959429"/>
+          </a:xfrm>
+          <a:prstGeom prst="roundRect">
+            <a:avLst/>
+          </a:prstGeom>
+          <a:noFill/>
+          <a:ln w="28575">
+            <a:solidFill>
+              <a:srgbClr val="C00000"/>
+            </a:solidFill>
+            <a:prstDash val="dash"/>
+          </a:ln>
+        </p:spPr>
+        <p:style>
+          <a:lnRef idx="2">
+            <a:schemeClr val="accent1">
+              <a:shade val="50000"/>
+            </a:schemeClr>
+          </a:lnRef>
+          <a:fillRef idx="1">
+            <a:schemeClr val="accent1"/>
+          </a:fillRef>
+          <a:effectRef idx="0">
+            <a:schemeClr val="accent1"/>
+          </a:effectRef>
+          <a:fontRef idx="minor">
+            <a:schemeClr val="lt1"/>
+          </a:fontRef>
+        </p:style>
+        <p:txBody>
+          <a:bodyPr rtlCol="0" anchor="ctr"/>
+          <a:lstStyle/>
+          <a:p>
+            <a:pPr algn="ctr"/>
+            <a:endParaRPr lang="en-US"/>
+          </a:p>
+        </p:txBody>
+      </p:sp>
+      <mc:AlternateContent xmlns:mc="http://schemas.openxmlformats.org/markup-compatibility/2006">
+        <mc:Choice xmlns:a14="http://schemas.microsoft.com/office/drawing/2010/main" Requires="a14">
+          <p:sp>
+            <p:nvSpPr>
+              <p:cNvPr id="23" name="TextBox 22">
+                <a:extLst>
+                  <a:ext uri="{FF2B5EF4-FFF2-40B4-BE49-F238E27FC236}">
+                    <a16:creationId xmlns:a16="http://schemas.microsoft.com/office/drawing/2014/main" id="{C05E02E2-E219-5446-80B9-8B41F81A1C0C}"/>
+                  </a:ext>
+                </a:extLst>
+              </p:cNvPr>
+              <p:cNvSpPr txBox="1"/>
+              <p:nvPr/>
+            </p:nvSpPr>
+            <p:spPr>
+              <a:xfrm>
+                <a:off x="5613427" y="4262746"/>
+                <a:ext cx="510333" cy="716478"/>
+              </a:xfrm>
+              <a:prstGeom prst="rect">
+                <a:avLst/>
+              </a:prstGeom>
+              <a:noFill/>
+            </p:spPr>
+            <p:txBody>
+              <a:bodyPr wrap="none" rtlCol="0">
+                <a:spAutoFit/>
+              </a:bodyPr>
+              <a:lstStyle/>
+              <a:p>
+                <a:pPr/>
+                <a14:m>
+                  <m:oMathPara xmlns:m="http://schemas.openxmlformats.org/officeDocument/2006/math">
+                    <m:oMathParaPr>
+                      <m:jc m:val="centerGroup"/>
+                    </m:oMathParaPr>
+                    <m:oMath xmlns:m="http://schemas.openxmlformats.org/officeDocument/2006/math">
+                      <m:acc>
+                        <m:accPr>
+                          <m:chr m:val="̃"/>
+                          <m:ctrlPr>
+                            <a:rPr lang="en-US" altLang="zh-CN" sz="4000" i="1" smtClean="0">
+                              <a:solidFill>
+                                <a:srgbClr val="C00000"/>
+                              </a:solidFill>
+                              <a:latin typeface="Cambria Math" panose="02040503050406030204" pitchFamily="18" charset="0"/>
+                            </a:rPr>
+                          </m:ctrlPr>
+                        </m:accPr>
+                        <m:e>
+                          <m:r>
+                            <a:rPr lang="en-US" altLang="zh-CN" sz="4000" b="0" i="1" smtClean="0">
+                              <a:solidFill>
+                                <a:srgbClr val="C00000"/>
+                              </a:solidFill>
+                              <a:latin typeface="Cambria Math" panose="02040503050406030204" pitchFamily="18" charset="0"/>
+                            </a:rPr>
+                            <m:t>𝐼</m:t>
+                          </m:r>
+                        </m:e>
+                      </m:acc>
+                    </m:oMath>
+                  </m:oMathPara>
+                </a14:m>
+                <a:endParaRPr lang="en-US" sz="4000" dirty="0">
+                  <a:solidFill>
+                    <a:srgbClr val="C00000"/>
+                  </a:solidFill>
+                </a:endParaRPr>
+              </a:p>
+            </p:txBody>
+          </p:sp>
+        </mc:Choice>
+        <mc:Fallback>
+          <p:sp>
+            <p:nvSpPr>
+              <p:cNvPr id="23" name="TextBox 22">
+                <a:extLst>
+                  <a:ext uri="{FF2B5EF4-FFF2-40B4-BE49-F238E27FC236}">
+                    <a16:creationId xmlns:a16="http://schemas.microsoft.com/office/drawing/2014/main" id="{C05E02E2-E219-5446-80B9-8B41F81A1C0C}"/>
+                  </a:ext>
+                </a:extLst>
+              </p:cNvPr>
+              <p:cNvSpPr txBox="1">
+                <a:spLocks noRot="1" noChangeAspect="1" noMove="1" noResize="1" noEditPoints="1" noAdjustHandles="1" noChangeArrowheads="1" noChangeShapeType="1" noTextEdit="1"/>
+              </p:cNvSpPr>
+              <p:nvPr/>
+            </p:nvSpPr>
+            <p:spPr>
+              <a:xfrm>
+                <a:off x="5613427" y="4262746"/>
+                <a:ext cx="510333" cy="716478"/>
+              </a:xfrm>
+              <a:prstGeom prst="rect">
+                <a:avLst/>
+              </a:prstGeom>
+              <a:blipFill>
+                <a:blip r:embed="rId9"/>
+                <a:stretch>
+                  <a:fillRect l="-2439" t="-5357"/>
                 </a:stretch>
               </a:blipFill>
             </p:spPr>
